--- a/layered-config-parser/docs/config-parser.pptx
+++ b/layered-config-parser/docs/config-parser.pptx
@@ -7,6 +7,7 @@
   <p:sldIdLst>
     <p:sldId id="256" r:id="rId2"/>
     <p:sldId id="257" r:id="rId3"/>
+    <p:sldId id="258" r:id="rId4"/>
   </p:sldIdLst>
   <p:sldSz cx="12192000" cy="6858000"/>
   <p:notesSz cx="6858000" cy="9144000"/>
@@ -105,6 +106,11 @@
       </a:defRPr>
     </a:lvl9pPr>
   </p:defaultTextStyle>
+  <p:extLst>
+    <p:ext uri="{EFAFB233-063F-42B5-8137-9DF3F51BA10A}">
+      <p15:sldGuideLst xmlns:p15="http://schemas.microsoft.com/office/powerpoint/2012/main"/>
+    </p:ext>
+  </p:extLst>
 </p:presentation>
 </file>
 
@@ -257,7 +263,7 @@
           <a:p>
             <a:fld id="{660E623B-E821-47F9-99FD-CEF5B2DF5CBA}" type="datetimeFigureOut">
               <a:rPr lang="en-GB" smtClean="0"/>
-              <a:t>05/11/2023</a:t>
+              <a:t>06/11/2023</a:t>
             </a:fld>
             <a:endParaRPr lang="en-GB"/>
           </a:p>
@@ -457,7 +463,7 @@
           <a:p>
             <a:fld id="{660E623B-E821-47F9-99FD-CEF5B2DF5CBA}" type="datetimeFigureOut">
               <a:rPr lang="en-GB" smtClean="0"/>
-              <a:t>05/11/2023</a:t>
+              <a:t>06/11/2023</a:t>
             </a:fld>
             <a:endParaRPr lang="en-GB"/>
           </a:p>
@@ -667,7 +673,7 @@
           <a:p>
             <a:fld id="{660E623B-E821-47F9-99FD-CEF5B2DF5CBA}" type="datetimeFigureOut">
               <a:rPr lang="en-GB" smtClean="0"/>
-              <a:t>05/11/2023</a:t>
+              <a:t>06/11/2023</a:t>
             </a:fld>
             <a:endParaRPr lang="en-GB"/>
           </a:p>
@@ -867,7 +873,7 @@
           <a:p>
             <a:fld id="{660E623B-E821-47F9-99FD-CEF5B2DF5CBA}" type="datetimeFigureOut">
               <a:rPr lang="en-GB" smtClean="0"/>
-              <a:t>05/11/2023</a:t>
+              <a:t>06/11/2023</a:t>
             </a:fld>
             <a:endParaRPr lang="en-GB"/>
           </a:p>
@@ -1143,7 +1149,7 @@
           <a:p>
             <a:fld id="{660E623B-E821-47F9-99FD-CEF5B2DF5CBA}" type="datetimeFigureOut">
               <a:rPr lang="en-GB" smtClean="0"/>
-              <a:t>05/11/2023</a:t>
+              <a:t>06/11/2023</a:t>
             </a:fld>
             <a:endParaRPr lang="en-GB"/>
           </a:p>
@@ -1411,7 +1417,7 @@
           <a:p>
             <a:fld id="{660E623B-E821-47F9-99FD-CEF5B2DF5CBA}" type="datetimeFigureOut">
               <a:rPr lang="en-GB" smtClean="0"/>
-              <a:t>05/11/2023</a:t>
+              <a:t>06/11/2023</a:t>
             </a:fld>
             <a:endParaRPr lang="en-GB"/>
           </a:p>
@@ -1826,7 +1832,7 @@
           <a:p>
             <a:fld id="{660E623B-E821-47F9-99FD-CEF5B2DF5CBA}" type="datetimeFigureOut">
               <a:rPr lang="en-GB" smtClean="0"/>
-              <a:t>05/11/2023</a:t>
+              <a:t>06/11/2023</a:t>
             </a:fld>
             <a:endParaRPr lang="en-GB"/>
           </a:p>
@@ -1968,7 +1974,7 @@
           <a:p>
             <a:fld id="{660E623B-E821-47F9-99FD-CEF5B2DF5CBA}" type="datetimeFigureOut">
               <a:rPr lang="en-GB" smtClean="0"/>
-              <a:t>05/11/2023</a:t>
+              <a:t>06/11/2023</a:t>
             </a:fld>
             <a:endParaRPr lang="en-GB"/>
           </a:p>
@@ -2081,7 +2087,7 @@
           <a:p>
             <a:fld id="{660E623B-E821-47F9-99FD-CEF5B2DF5CBA}" type="datetimeFigureOut">
               <a:rPr lang="en-GB" smtClean="0"/>
-              <a:t>05/11/2023</a:t>
+              <a:t>06/11/2023</a:t>
             </a:fld>
             <a:endParaRPr lang="en-GB"/>
           </a:p>
@@ -2394,7 +2400,7 @@
           <a:p>
             <a:fld id="{660E623B-E821-47F9-99FD-CEF5B2DF5CBA}" type="datetimeFigureOut">
               <a:rPr lang="en-GB" smtClean="0"/>
-              <a:t>05/11/2023</a:t>
+              <a:t>06/11/2023</a:t>
             </a:fld>
             <a:endParaRPr lang="en-GB"/>
           </a:p>
@@ -2683,7 +2689,7 @@
           <a:p>
             <a:fld id="{660E623B-E821-47F9-99FD-CEF5B2DF5CBA}" type="datetimeFigureOut">
               <a:rPr lang="en-GB" smtClean="0"/>
-              <a:t>05/11/2023</a:t>
+              <a:t>06/11/2023</a:t>
             </a:fld>
             <a:endParaRPr lang="en-GB"/>
           </a:p>
@@ -2926,7 +2932,7 @@
           <a:p>
             <a:fld id="{660E623B-E821-47F9-99FD-CEF5B2DF5CBA}" type="datetimeFigureOut">
               <a:rPr lang="en-GB" smtClean="0"/>
-              <a:t>05/11/2023</a:t>
+              <a:t>06/11/2023</a:t>
             </a:fld>
             <a:endParaRPr lang="en-GB"/>
           </a:p>
@@ -4439,6 +4445,371 @@
 </p:sld>
 </file>
 
+<file path=ppt/slides/slide3.xml><?xml version="1.0" encoding="utf-8"?>
+<p:sld xmlns:a="http://schemas.openxmlformats.org/drawingml/2006/main" xmlns:r="http://schemas.openxmlformats.org/officeDocument/2006/relationships" xmlns:p="http://schemas.openxmlformats.org/presentationml/2006/main">
+  <p:cSld>
+    <p:spTree>
+      <p:nvGrpSpPr>
+        <p:cNvPr id="1" name=""/>
+        <p:cNvGrpSpPr/>
+        <p:nvPr/>
+      </p:nvGrpSpPr>
+      <p:grpSpPr>
+        <a:xfrm>
+          <a:off x="0" y="0"/>
+          <a:ext cx="0" cy="0"/>
+          <a:chOff x="0" y="0"/>
+          <a:chExt cx="0" cy="0"/>
+        </a:xfrm>
+      </p:grpSpPr>
+      <p:sp>
+        <p:nvSpPr>
+          <p:cNvPr id="2" name="TextBox 1">
+            <a:extLst>
+              <a:ext uri="{FF2B5EF4-FFF2-40B4-BE49-F238E27FC236}">
+                <a16:creationId xmlns:a16="http://schemas.microsoft.com/office/drawing/2014/main" id="{26BB2429-5165-85E1-DDFB-FF11D00130AE}"/>
+              </a:ext>
+            </a:extLst>
+          </p:cNvPr>
+          <p:cNvSpPr txBox="1"/>
+          <p:nvPr/>
+        </p:nvSpPr>
+        <p:spPr>
+          <a:xfrm>
+            <a:off x="3598265" y="955681"/>
+            <a:ext cx="4795154" cy="369332"/>
+          </a:xfrm>
+          <a:prstGeom prst="rect">
+            <a:avLst/>
+          </a:prstGeom>
+          <a:solidFill>
+            <a:schemeClr val="accent1">
+              <a:lumMod val="20000"/>
+              <a:lumOff val="80000"/>
+            </a:schemeClr>
+          </a:solidFill>
+          <a:ln>
+            <a:solidFill>
+              <a:schemeClr val="accent1"/>
+            </a:solidFill>
+          </a:ln>
+        </p:spPr>
+        <p:txBody>
+          <a:bodyPr wrap="square" rtlCol="0">
+            <a:spAutoFit/>
+          </a:bodyPr>
+          <a:lstStyle/>
+          <a:p>
+            <a:pPr algn="ctr"/>
+            <a:r>
+              <a:rPr lang="en-GB" dirty="0"/>
+              <a:t>Base settings</a:t>
+            </a:r>
+            <a:r>
+              <a:rPr lang="en-GB" b="1" dirty="0"/>
+              <a:t>.ini</a:t>
+            </a:r>
+            <a:r>
+              <a:rPr lang="en-GB" dirty="0"/>
+              <a:t> file</a:t>
+            </a:r>
+          </a:p>
+        </p:txBody>
+      </p:sp>
+      <p:sp>
+        <p:nvSpPr>
+          <p:cNvPr id="4" name="TextBox 3">
+            <a:extLst>
+              <a:ext uri="{FF2B5EF4-FFF2-40B4-BE49-F238E27FC236}">
+                <a16:creationId xmlns:a16="http://schemas.microsoft.com/office/drawing/2014/main" id="{602BD256-8E6B-227B-9CEB-EAE568E90542}"/>
+              </a:ext>
+            </a:extLst>
+          </p:cNvPr>
+          <p:cNvSpPr txBox="1"/>
+          <p:nvPr/>
+        </p:nvSpPr>
+        <p:spPr>
+          <a:xfrm>
+            <a:off x="3598265" y="2181106"/>
+            <a:ext cx="4795154" cy="369332"/>
+          </a:xfrm>
+          <a:prstGeom prst="rect">
+            <a:avLst/>
+          </a:prstGeom>
+          <a:solidFill>
+            <a:schemeClr val="accent1">
+              <a:lumMod val="20000"/>
+              <a:lumOff val="80000"/>
+            </a:schemeClr>
+          </a:solidFill>
+          <a:ln>
+            <a:solidFill>
+              <a:schemeClr val="accent1"/>
+            </a:solidFill>
+          </a:ln>
+        </p:spPr>
+        <p:txBody>
+          <a:bodyPr wrap="square" rtlCol="0">
+            <a:spAutoFit/>
+          </a:bodyPr>
+          <a:lstStyle/>
+          <a:p>
+            <a:pPr algn="ctr"/>
+            <a:r>
+              <a:rPr lang="en-GB" dirty="0"/>
+              <a:t>Environment specific settings(DEV/PROD)</a:t>
+            </a:r>
+            <a:r>
+              <a:rPr lang="en-GB" b="1" dirty="0"/>
+              <a:t>.ini</a:t>
+            </a:r>
+          </a:p>
+        </p:txBody>
+      </p:sp>
+      <p:sp>
+        <p:nvSpPr>
+          <p:cNvPr id="5" name="Plus Sign 4">
+            <a:extLst>
+              <a:ext uri="{FF2B5EF4-FFF2-40B4-BE49-F238E27FC236}">
+                <a16:creationId xmlns:a16="http://schemas.microsoft.com/office/drawing/2014/main" id="{6E5C8831-21AA-B5E6-29A2-1C2DD96CD871}"/>
+              </a:ext>
+            </a:extLst>
+          </p:cNvPr>
+          <p:cNvSpPr/>
+          <p:nvPr/>
+        </p:nvSpPr>
+        <p:spPr>
+          <a:xfrm>
+            <a:off x="5831633" y="1548872"/>
+            <a:ext cx="740229" cy="550506"/>
+          </a:xfrm>
+          <a:prstGeom prst="mathPlus">
+            <a:avLst/>
+          </a:prstGeom>
+        </p:spPr>
+        <p:style>
+          <a:lnRef idx="2">
+            <a:schemeClr val="accent1">
+              <a:shade val="15000"/>
+            </a:schemeClr>
+          </a:lnRef>
+          <a:fillRef idx="1">
+            <a:schemeClr val="accent1"/>
+          </a:fillRef>
+          <a:effectRef idx="0">
+            <a:schemeClr val="accent1"/>
+          </a:effectRef>
+          <a:fontRef idx="minor">
+            <a:schemeClr val="lt1"/>
+          </a:fontRef>
+        </p:style>
+        <p:txBody>
+          <a:bodyPr rtlCol="0" anchor="ctr"/>
+          <a:lstStyle/>
+          <a:p>
+            <a:pPr algn="ctr"/>
+            <a:endParaRPr lang="en-GB"/>
+          </a:p>
+        </p:txBody>
+      </p:sp>
+      <p:sp>
+        <p:nvSpPr>
+          <p:cNvPr id="6" name="Plus Sign 5">
+            <a:extLst>
+              <a:ext uri="{FF2B5EF4-FFF2-40B4-BE49-F238E27FC236}">
+                <a16:creationId xmlns:a16="http://schemas.microsoft.com/office/drawing/2014/main" id="{54625287-53CE-3246-DA33-F00DB45EEFF0}"/>
+              </a:ext>
+            </a:extLst>
+          </p:cNvPr>
+          <p:cNvSpPr/>
+          <p:nvPr/>
+        </p:nvSpPr>
+        <p:spPr>
+          <a:xfrm>
+            <a:off x="5831633" y="2698887"/>
+            <a:ext cx="740229" cy="550506"/>
+          </a:xfrm>
+          <a:prstGeom prst="mathPlus">
+            <a:avLst/>
+          </a:prstGeom>
+        </p:spPr>
+        <p:style>
+          <a:lnRef idx="2">
+            <a:schemeClr val="accent1">
+              <a:shade val="15000"/>
+            </a:schemeClr>
+          </a:lnRef>
+          <a:fillRef idx="1">
+            <a:schemeClr val="accent1"/>
+          </a:fillRef>
+          <a:effectRef idx="0">
+            <a:schemeClr val="accent1"/>
+          </a:effectRef>
+          <a:fontRef idx="minor">
+            <a:schemeClr val="lt1"/>
+          </a:fontRef>
+        </p:style>
+        <p:txBody>
+          <a:bodyPr rtlCol="0" anchor="ctr"/>
+          <a:lstStyle/>
+          <a:p>
+            <a:pPr algn="ctr"/>
+            <a:endParaRPr lang="en-GB"/>
+          </a:p>
+        </p:txBody>
+      </p:sp>
+      <p:sp>
+        <p:nvSpPr>
+          <p:cNvPr id="7" name="TextBox 6">
+            <a:extLst>
+              <a:ext uri="{FF2B5EF4-FFF2-40B4-BE49-F238E27FC236}">
+                <a16:creationId xmlns:a16="http://schemas.microsoft.com/office/drawing/2014/main" id="{24E9E573-600C-63D4-562B-72731EF2964A}"/>
+              </a:ext>
+            </a:extLst>
+          </p:cNvPr>
+          <p:cNvSpPr txBox="1"/>
+          <p:nvPr/>
+        </p:nvSpPr>
+        <p:spPr>
+          <a:xfrm>
+            <a:off x="3598265" y="3490495"/>
+            <a:ext cx="4795154" cy="369332"/>
+          </a:xfrm>
+          <a:prstGeom prst="rect">
+            <a:avLst/>
+          </a:prstGeom>
+          <a:solidFill>
+            <a:schemeClr val="accent1">
+              <a:lumMod val="20000"/>
+              <a:lumOff val="80000"/>
+            </a:schemeClr>
+          </a:solidFill>
+          <a:ln>
+            <a:solidFill>
+              <a:schemeClr val="accent1"/>
+            </a:solidFill>
+          </a:ln>
+        </p:spPr>
+        <p:txBody>
+          <a:bodyPr wrap="square" rtlCol="0">
+            <a:spAutoFit/>
+          </a:bodyPr>
+          <a:lstStyle/>
+          <a:p>
+            <a:pPr algn="ctr"/>
+            <a:r>
+              <a:rPr lang="en-GB" dirty="0"/>
+              <a:t>Environment variable overrides</a:t>
+            </a:r>
+          </a:p>
+        </p:txBody>
+      </p:sp>
+      <p:sp>
+        <p:nvSpPr>
+          <p:cNvPr id="8" name="Equals 7">
+            <a:extLst>
+              <a:ext uri="{FF2B5EF4-FFF2-40B4-BE49-F238E27FC236}">
+                <a16:creationId xmlns:a16="http://schemas.microsoft.com/office/drawing/2014/main" id="{624F07F3-8E68-7ADA-DF0F-C3C057725320}"/>
+              </a:ext>
+            </a:extLst>
+          </p:cNvPr>
+          <p:cNvSpPr/>
+          <p:nvPr/>
+        </p:nvSpPr>
+        <p:spPr>
+          <a:xfrm>
+            <a:off x="5937380" y="4250233"/>
+            <a:ext cx="556727" cy="257299"/>
+          </a:xfrm>
+          <a:prstGeom prst="mathEqual">
+            <a:avLst/>
+          </a:prstGeom>
+        </p:spPr>
+        <p:style>
+          <a:lnRef idx="2">
+            <a:schemeClr val="accent1">
+              <a:shade val="15000"/>
+            </a:schemeClr>
+          </a:lnRef>
+          <a:fillRef idx="1">
+            <a:schemeClr val="accent1"/>
+          </a:fillRef>
+          <a:effectRef idx="0">
+            <a:schemeClr val="accent1"/>
+          </a:effectRef>
+          <a:fontRef idx="minor">
+            <a:schemeClr val="lt1"/>
+          </a:fontRef>
+        </p:style>
+        <p:txBody>
+          <a:bodyPr rtlCol="0" anchor="ctr"/>
+          <a:lstStyle/>
+          <a:p>
+            <a:pPr algn="ctr"/>
+            <a:endParaRPr lang="en-GB">
+              <a:solidFill>
+                <a:schemeClr val="tx1"/>
+              </a:solidFill>
+            </a:endParaRPr>
+          </a:p>
+        </p:txBody>
+      </p:sp>
+      <p:sp>
+        <p:nvSpPr>
+          <p:cNvPr id="9" name="TextBox 8">
+            <a:extLst>
+              <a:ext uri="{FF2B5EF4-FFF2-40B4-BE49-F238E27FC236}">
+                <a16:creationId xmlns:a16="http://schemas.microsoft.com/office/drawing/2014/main" id="{FCFD76B6-AACC-8ED4-E662-CE2F1327CEAC}"/>
+              </a:ext>
+            </a:extLst>
+          </p:cNvPr>
+          <p:cNvSpPr txBox="1"/>
+          <p:nvPr/>
+        </p:nvSpPr>
+        <p:spPr>
+          <a:xfrm>
+            <a:off x="3698423" y="4843491"/>
+            <a:ext cx="4795154" cy="369332"/>
+          </a:xfrm>
+          <a:prstGeom prst="rect">
+            <a:avLst/>
+          </a:prstGeom>
+          <a:solidFill>
+            <a:srgbClr val="FFFF00"/>
+          </a:solidFill>
+          <a:ln>
+            <a:solidFill>
+              <a:schemeClr val="accent1"/>
+            </a:solidFill>
+          </a:ln>
+        </p:spPr>
+        <p:txBody>
+          <a:bodyPr wrap="square" rtlCol="0">
+            <a:spAutoFit/>
+          </a:bodyPr>
+          <a:lstStyle/>
+          <a:p>
+            <a:pPr algn="ctr"/>
+            <a:r>
+              <a:rPr lang="en-GB" b="1" dirty="0"/>
+              <a:t>Final configuration</a:t>
+            </a:r>
+          </a:p>
+        </p:txBody>
+      </p:sp>
+    </p:spTree>
+    <p:extLst>
+      <p:ext uri="{BB962C8B-B14F-4D97-AF65-F5344CB8AC3E}">
+        <p14:creationId xmlns:p14="http://schemas.microsoft.com/office/powerpoint/2010/main" val="1803236517"/>
+      </p:ext>
+    </p:extLst>
+  </p:cSld>
+  <p:clrMapOvr>
+    <a:masterClrMapping/>
+  </p:clrMapOvr>
+</p:sld>
+</file>
+
 <file path=ppt/theme/theme1.xml><?xml version="1.0" encoding="utf-8"?>
 <a:theme xmlns:a="http://schemas.openxmlformats.org/drawingml/2006/main" name="Office Theme">
   <a:themeElements>

--- a/layered-config-parser/docs/config-parser.pptx
+++ b/layered-config-parser/docs/config-parser.pptx
@@ -6,8 +6,9 @@
   </p:sldMasterIdLst>
   <p:sldIdLst>
     <p:sldId id="256" r:id="rId2"/>
-    <p:sldId id="257" r:id="rId3"/>
-    <p:sldId id="258" r:id="rId4"/>
+    <p:sldId id="259" r:id="rId3"/>
+    <p:sldId id="257" r:id="rId4"/>
+    <p:sldId id="258" r:id="rId5"/>
   </p:sldIdLst>
   <p:sldSz cx="12192000" cy="6858000"/>
   <p:notesSz cx="6858000" cy="9144000"/>
@@ -3363,8 +3364,8 @@
         </p:nvSpPr>
         <p:spPr>
           <a:xfrm>
-            <a:off x="2459115" y="1447060"/>
-            <a:ext cx="1740023" cy="1200329"/>
+            <a:off x="1285993" y="4303051"/>
+            <a:ext cx="1740023" cy="369332"/>
           </a:xfrm>
           <a:prstGeom prst="rect">
             <a:avLst/>
@@ -3385,42 +3386,6 @@
             <a:r>
               <a:rPr lang="en-GB" dirty="0">
                 <a:solidFill>
-                  <a:srgbClr val="FFC000"/>
-                </a:solidFill>
-              </a:rPr>
-              <a:t>Settings.ini</a:t>
-            </a:r>
-          </a:p>
-          <a:p>
-            <a:r>
-              <a:rPr lang="en-GB" dirty="0">
-                <a:solidFill>
-                  <a:srgbClr val="0070C0"/>
-                </a:solidFill>
-              </a:rPr>
-              <a:t>Settings.</a:t>
-            </a:r>
-            <a:r>
-              <a:rPr lang="en-GB" b="1" dirty="0">
-                <a:solidFill>
-                  <a:srgbClr val="0070C0"/>
-                </a:solidFill>
-              </a:rPr>
-              <a:t>dev</a:t>
-            </a:r>
-            <a:r>
-              <a:rPr lang="en-GB" dirty="0">
-                <a:solidFill>
-                  <a:srgbClr val="0070C0"/>
-                </a:solidFill>
-              </a:rPr>
-              <a:t>.ini</a:t>
-            </a:r>
-          </a:p>
-          <a:p>
-            <a:r>
-              <a:rPr lang="en-GB" dirty="0">
-                <a:solidFill>
                   <a:schemeClr val="accent6">
                     <a:lumMod val="75000"/>
                   </a:schemeClr>
@@ -3449,9 +3414,6 @@
               <a:t>.ini</a:t>
             </a:r>
           </a:p>
-          <a:p>
-            <a:endParaRPr lang="en-GB" dirty="0"/>
-          </a:p>
         </p:txBody>
       </p:sp>
       <p:cxnSp>
@@ -3470,8 +3432,8 @@
         </p:nvCxnSpPr>
         <p:spPr>
           <a:xfrm flipV="1">
-            <a:off x="4101483" y="896645"/>
-            <a:ext cx="1997475" cy="736846"/>
+            <a:off x="4101483" y="1734118"/>
+            <a:ext cx="2224672" cy="2101398"/>
           </a:xfrm>
           <a:prstGeom prst="bentConnector3">
             <a:avLst/>
@@ -3511,8 +3473,8 @@
         </p:nvCxnSpPr>
         <p:spPr>
           <a:xfrm>
-            <a:off x="4102961" y="2176872"/>
-            <a:ext cx="1994517" cy="923278"/>
+            <a:off x="4102961" y="4378897"/>
+            <a:ext cx="2214979" cy="1937927"/>
           </a:xfrm>
           <a:prstGeom prst="bentConnector3">
             <a:avLst/>
@@ -3550,7 +3512,7 @@
         </p:nvSpPr>
         <p:spPr>
           <a:xfrm>
-            <a:off x="6096000" y="711979"/>
+            <a:off x="6326155" y="1596846"/>
             <a:ext cx="1775534" cy="369332"/>
           </a:xfrm>
           <a:prstGeom prst="rect">
@@ -3587,12 +3549,53 @@
           </a:p>
         </p:txBody>
       </p:sp>
-      <p:sp>
-        <p:nvSpPr>
-          <p:cNvPr id="9" name="TextBox 8">
-            <a:extLst>
-              <a:ext uri="{FF2B5EF4-FFF2-40B4-BE49-F238E27FC236}">
-                <a16:creationId xmlns:a16="http://schemas.microsoft.com/office/drawing/2014/main" id="{79D58D5C-073D-D9CC-0409-66B57C552D11}"/>
+      <p:cxnSp>
+        <p:nvCxnSpPr>
+          <p:cNvPr id="11" name="Straight Arrow Connector 10">
+            <a:extLst>
+              <a:ext uri="{FF2B5EF4-FFF2-40B4-BE49-F238E27FC236}">
+                <a16:creationId xmlns:a16="http://schemas.microsoft.com/office/drawing/2014/main" id="{60DAA0DE-D82E-F342-0119-9DD28192E28E}"/>
+              </a:ext>
+            </a:extLst>
+          </p:cNvPr>
+          <p:cNvCxnSpPr>
+            <a:cxnSpLocks/>
+          </p:cNvCxnSpPr>
+          <p:nvPr/>
+        </p:nvCxnSpPr>
+        <p:spPr>
+          <a:xfrm>
+            <a:off x="4101483" y="4092969"/>
+            <a:ext cx="2224672" cy="0"/>
+          </a:xfrm>
+          <a:prstGeom prst="straightConnector1">
+            <a:avLst/>
+          </a:prstGeom>
+          <a:ln>
+            <a:tailEnd type="triangle"/>
+          </a:ln>
+        </p:spPr>
+        <p:style>
+          <a:lnRef idx="1">
+            <a:schemeClr val="accent1"/>
+          </a:lnRef>
+          <a:fillRef idx="0">
+            <a:schemeClr val="accent1"/>
+          </a:fillRef>
+          <a:effectRef idx="0">
+            <a:schemeClr val="accent1"/>
+          </a:effectRef>
+          <a:fontRef idx="minor">
+            <a:schemeClr val="tx1"/>
+          </a:fontRef>
+        </p:style>
+      </p:cxnSp>
+      <p:sp>
+        <p:nvSpPr>
+          <p:cNvPr id="12" name="TextBox 11">
+            <a:extLst>
+              <a:ext uri="{FF2B5EF4-FFF2-40B4-BE49-F238E27FC236}">
+                <a16:creationId xmlns:a16="http://schemas.microsoft.com/office/drawing/2014/main" id="{281F6006-2686-567C-E433-D4FE309B8519}"/>
               </a:ext>
             </a:extLst>
           </p:cNvPr>
@@ -3601,7 +3604,299 @@
         </p:nvSpPr>
         <p:spPr>
           <a:xfrm>
-            <a:off x="6095999" y="2835222"/>
+            <a:off x="6317940" y="3879917"/>
+            <a:ext cx="2994735" cy="369332"/>
+          </a:xfrm>
+          <a:prstGeom prst="rect">
+            <a:avLst/>
+          </a:prstGeom>
+          <a:noFill/>
+        </p:spPr>
+        <p:txBody>
+          <a:bodyPr wrap="square" rtlCol="0">
+            <a:spAutoFit/>
+          </a:bodyPr>
+          <a:lstStyle/>
+          <a:p>
+            <a:r>
+              <a:rPr lang="en-GB" dirty="0">
+                <a:solidFill>
+                  <a:srgbClr val="0070C0"/>
+                </a:solidFill>
+              </a:rPr>
+              <a:t>Settings</a:t>
+            </a:r>
+            <a:r>
+              <a:rPr lang="en-GB" dirty="0"/>
+              <a:t> </a:t>
+            </a:r>
+            <a:r>
+              <a:rPr lang="en-GB" dirty="0">
+                <a:solidFill>
+                  <a:srgbClr val="0070C0"/>
+                </a:solidFill>
+              </a:rPr>
+              <a:t>for</a:t>
+            </a:r>
+            <a:r>
+              <a:rPr lang="en-GB" dirty="0"/>
+              <a:t> </a:t>
+            </a:r>
+            <a:r>
+              <a:rPr lang="en-GB" dirty="0">
+                <a:solidFill>
+                  <a:srgbClr val="0070C0"/>
+                </a:solidFill>
+              </a:rPr>
+              <a:t>DEV</a:t>
+            </a:r>
+            <a:r>
+              <a:rPr lang="en-GB" dirty="0"/>
+              <a:t> </a:t>
+            </a:r>
+            <a:r>
+              <a:rPr lang="en-GB" dirty="0">
+                <a:solidFill>
+                  <a:srgbClr val="0070C0"/>
+                </a:solidFill>
+              </a:rPr>
+              <a:t>environment</a:t>
+            </a:r>
+          </a:p>
+        </p:txBody>
+      </p:sp>
+      <p:sp>
+        <p:nvSpPr>
+          <p:cNvPr id="3" name="TextBox 2">
+            <a:extLst>
+              <a:ext uri="{FF2B5EF4-FFF2-40B4-BE49-F238E27FC236}">
+                <a16:creationId xmlns:a16="http://schemas.microsoft.com/office/drawing/2014/main" id="{6C992FD5-A727-9233-D7B2-C5A870AC5BC0}"/>
+              </a:ext>
+            </a:extLst>
+          </p:cNvPr>
+          <p:cNvSpPr txBox="1"/>
+          <p:nvPr/>
+        </p:nvSpPr>
+        <p:spPr>
+          <a:xfrm>
+            <a:off x="6326155" y="209197"/>
+            <a:ext cx="3941686" cy="1200329"/>
+          </a:xfrm>
+          <a:prstGeom prst="rect">
+            <a:avLst/>
+          </a:prstGeom>
+          <a:solidFill>
+            <a:srgbClr val="92D050"/>
+          </a:solidFill>
+          <a:ln>
+            <a:solidFill>
+              <a:schemeClr val="accent1"/>
+            </a:solidFill>
+          </a:ln>
+        </p:spPr>
+        <p:txBody>
+          <a:bodyPr wrap="square" rtlCol="0">
+            <a:spAutoFit/>
+          </a:bodyPr>
+          <a:lstStyle/>
+          <a:p>
+            <a:r>
+              <a:rPr lang="en-GB" dirty="0"/>
+              <a:t>[OILSCRAPER]</a:t>
+            </a:r>
+          </a:p>
+          <a:p>
+            <a:r>
+              <a:rPr lang="en-GB" dirty="0" err="1"/>
+              <a:t>api_username</a:t>
+            </a:r>
+            <a:r>
+              <a:rPr lang="en-GB" dirty="0"/>
+              <a:t> = </a:t>
+            </a:r>
+            <a:r>
+              <a:rPr lang="en-GB" dirty="0" err="1"/>
+              <a:t>some_user_name</a:t>
+            </a:r>
+            <a:endParaRPr lang="en-GB" dirty="0"/>
+          </a:p>
+          <a:p>
+            <a:r>
+              <a:rPr lang="en-GB" dirty="0" err="1"/>
+              <a:t>api_key</a:t>
+            </a:r>
+            <a:r>
+              <a:rPr lang="en-GB" dirty="0"/>
+              <a:t> = ${OIL_API_KEY}</a:t>
+            </a:r>
+          </a:p>
+          <a:p>
+            <a:r>
+              <a:rPr lang="en-GB" dirty="0" err="1"/>
+              <a:t>output_folder</a:t>
+            </a:r>
+            <a:r>
+              <a:rPr lang="en-GB" dirty="0"/>
+              <a:t> = ${USERPROFILE}\oil\out</a:t>
+            </a:r>
+          </a:p>
+        </p:txBody>
+      </p:sp>
+      <p:sp>
+        <p:nvSpPr>
+          <p:cNvPr id="7" name="TextBox 6">
+            <a:extLst>
+              <a:ext uri="{FF2B5EF4-FFF2-40B4-BE49-F238E27FC236}">
+                <a16:creationId xmlns:a16="http://schemas.microsoft.com/office/drawing/2014/main" id="{51C9EB14-2AA9-C563-D025-BD76280B8A4E}"/>
+              </a:ext>
+            </a:extLst>
+          </p:cNvPr>
+          <p:cNvSpPr txBox="1"/>
+          <p:nvPr/>
+        </p:nvSpPr>
+        <p:spPr>
+          <a:xfrm>
+            <a:off x="6326155" y="2848885"/>
+            <a:ext cx="4795154" cy="923330"/>
+          </a:xfrm>
+          <a:prstGeom prst="rect">
+            <a:avLst/>
+          </a:prstGeom>
+          <a:solidFill>
+            <a:schemeClr val="accent1">
+              <a:lumMod val="20000"/>
+              <a:lumOff val="80000"/>
+            </a:schemeClr>
+          </a:solidFill>
+          <a:ln>
+            <a:solidFill>
+              <a:schemeClr val="accent1"/>
+            </a:solidFill>
+          </a:ln>
+        </p:spPr>
+        <p:txBody>
+          <a:bodyPr wrap="square" rtlCol="0">
+            <a:spAutoFit/>
+          </a:bodyPr>
+          <a:lstStyle/>
+          <a:p>
+            <a:r>
+              <a:rPr lang="en-GB" dirty="0"/>
+              <a:t>[OILSCRAPER]</a:t>
+            </a:r>
+          </a:p>
+          <a:p>
+            <a:r>
+              <a:rPr lang="en-GB" dirty="0" err="1"/>
+              <a:t>api_username</a:t>
+            </a:r>
+            <a:r>
+              <a:rPr lang="en-GB" dirty="0"/>
+              <a:t> = </a:t>
+            </a:r>
+            <a:r>
+              <a:rPr lang="en-GB" dirty="0" err="1"/>
+              <a:t>dev_user_name</a:t>
+            </a:r>
+            <a:endParaRPr lang="en-GB" dirty="0"/>
+          </a:p>
+          <a:p>
+            <a:r>
+              <a:rPr lang="en-GB" dirty="0" err="1"/>
+              <a:t>output_folder</a:t>
+            </a:r>
+            <a:r>
+              <a:rPr lang="en-GB" dirty="0"/>
+              <a:t> =  \\devserver\scrapers\oil\out</a:t>
+            </a:r>
+          </a:p>
+        </p:txBody>
+      </p:sp>
+      <p:sp>
+        <p:nvSpPr>
+          <p:cNvPr id="15" name="TextBox 14">
+            <a:extLst>
+              <a:ext uri="{FF2B5EF4-FFF2-40B4-BE49-F238E27FC236}">
+                <a16:creationId xmlns:a16="http://schemas.microsoft.com/office/drawing/2014/main" id="{B41EEF40-20DB-8F52-2D44-E373F146B96A}"/>
+              </a:ext>
+            </a:extLst>
+          </p:cNvPr>
+          <p:cNvSpPr txBox="1"/>
+          <p:nvPr/>
+        </p:nvSpPr>
+        <p:spPr>
+          <a:xfrm>
+            <a:off x="6326155" y="5062280"/>
+            <a:ext cx="4795154" cy="923330"/>
+          </a:xfrm>
+          <a:prstGeom prst="rect">
+            <a:avLst/>
+          </a:prstGeom>
+          <a:solidFill>
+            <a:schemeClr val="accent4">
+              <a:lumMod val="40000"/>
+              <a:lumOff val="60000"/>
+            </a:schemeClr>
+          </a:solidFill>
+          <a:ln>
+            <a:solidFill>
+              <a:schemeClr val="accent1"/>
+            </a:solidFill>
+          </a:ln>
+        </p:spPr>
+        <p:txBody>
+          <a:bodyPr wrap="square" rtlCol="0">
+            <a:spAutoFit/>
+          </a:bodyPr>
+          <a:lstStyle/>
+          <a:p>
+            <a:r>
+              <a:rPr lang="en-GB" dirty="0"/>
+              <a:t>[OILSCRAPER]</a:t>
+            </a:r>
+          </a:p>
+          <a:p>
+            <a:r>
+              <a:rPr lang="en-GB" dirty="0" err="1"/>
+              <a:t>api_username</a:t>
+            </a:r>
+            <a:r>
+              <a:rPr lang="en-GB" dirty="0"/>
+              <a:t> = </a:t>
+            </a:r>
+            <a:r>
+              <a:rPr lang="en-GB" dirty="0" err="1"/>
+              <a:t>prod_user_name</a:t>
+            </a:r>
+            <a:endParaRPr lang="en-GB" dirty="0"/>
+          </a:p>
+          <a:p>
+            <a:r>
+              <a:rPr lang="en-GB" dirty="0" err="1"/>
+              <a:t>output_folder</a:t>
+            </a:r>
+            <a:r>
+              <a:rPr lang="en-GB" dirty="0"/>
+              <a:t> =  \\prodserver\scrapers\oil\out</a:t>
+            </a:r>
+          </a:p>
+        </p:txBody>
+      </p:sp>
+      <p:sp>
+        <p:nvSpPr>
+          <p:cNvPr id="16" name="TextBox 15">
+            <a:extLst>
+              <a:ext uri="{FF2B5EF4-FFF2-40B4-BE49-F238E27FC236}">
+                <a16:creationId xmlns:a16="http://schemas.microsoft.com/office/drawing/2014/main" id="{7FFB92FC-E49E-073A-1CC4-64AA5670E10B}"/>
+              </a:ext>
+            </a:extLst>
+          </p:cNvPr>
+          <p:cNvSpPr txBox="1"/>
+          <p:nvPr/>
+        </p:nvSpPr>
+        <p:spPr>
+          <a:xfrm>
+            <a:off x="6382380" y="6132158"/>
             <a:ext cx="3438618" cy="369332"/>
           </a:xfrm>
           <a:prstGeom prst="rect">
@@ -3635,51 +3930,62 @@
           </a:p>
         </p:txBody>
       </p:sp>
-      <p:cxnSp>
-        <p:nvCxnSpPr>
-          <p:cNvPr id="11" name="Straight Arrow Connector 10">
-            <a:extLst>
-              <a:ext uri="{FF2B5EF4-FFF2-40B4-BE49-F238E27FC236}">
-                <a16:creationId xmlns:a16="http://schemas.microsoft.com/office/drawing/2014/main" id="{60DAA0DE-D82E-F342-0119-9DD28192E28E}"/>
-              </a:ext>
-            </a:extLst>
-          </p:cNvPr>
-          <p:cNvCxnSpPr/>
+      <p:sp>
+        <p:nvSpPr>
+          <p:cNvPr id="18" name="Rectangle: Rounded Corners 17">
+            <a:extLst>
+              <a:ext uri="{FF2B5EF4-FFF2-40B4-BE49-F238E27FC236}">
+                <a16:creationId xmlns:a16="http://schemas.microsoft.com/office/drawing/2014/main" id="{1405C8E9-7D74-3EAF-2512-5C10CC8F8DC2}"/>
+              </a:ext>
+            </a:extLst>
+          </p:cNvPr>
+          <p:cNvSpPr/>
           <p:nvPr/>
-        </p:nvCxnSpPr>
-        <p:spPr>
-          <a:xfrm>
-            <a:off x="4101483" y="1890944"/>
-            <a:ext cx="1994516" cy="0"/>
-          </a:xfrm>
-          <a:prstGeom prst="straightConnector1">
+        </p:nvSpPr>
+        <p:spPr>
+          <a:xfrm>
+            <a:off x="590455" y="3326794"/>
+            <a:ext cx="3470988" cy="1532349"/>
+          </a:xfrm>
+          <a:prstGeom prst="roundRect">
             <a:avLst/>
           </a:prstGeom>
+          <a:noFill/>
           <a:ln>
-            <a:tailEnd type="triangle"/>
+            <a:prstDash val="dash"/>
           </a:ln>
         </p:spPr>
         <p:style>
-          <a:lnRef idx="1">
-            <a:schemeClr val="accent1"/>
+          <a:lnRef idx="2">
+            <a:schemeClr val="accent1">
+              <a:shade val="15000"/>
+            </a:schemeClr>
           </a:lnRef>
-          <a:fillRef idx="0">
+          <a:fillRef idx="1">
             <a:schemeClr val="accent1"/>
           </a:fillRef>
           <a:effectRef idx="0">
             <a:schemeClr val="accent1"/>
           </a:effectRef>
           <a:fontRef idx="minor">
-            <a:schemeClr val="tx1"/>
+            <a:schemeClr val="lt1"/>
           </a:fontRef>
         </p:style>
-      </p:cxnSp>
-      <p:sp>
-        <p:nvSpPr>
-          <p:cNvPr id="12" name="TextBox 11">
-            <a:extLst>
-              <a:ext uri="{FF2B5EF4-FFF2-40B4-BE49-F238E27FC236}">
-                <a16:creationId xmlns:a16="http://schemas.microsoft.com/office/drawing/2014/main" id="{281F6006-2686-567C-E433-D4FE309B8519}"/>
+        <p:txBody>
+          <a:bodyPr rtlCol="0" anchor="ctr"/>
+          <a:lstStyle/>
+          <a:p>
+            <a:pPr algn="ctr"/>
+            <a:endParaRPr lang="en-GB"/>
+          </a:p>
+        </p:txBody>
+      </p:sp>
+      <p:sp>
+        <p:nvSpPr>
+          <p:cNvPr id="19" name="TextBox 18">
+            <a:extLst>
+              <a:ext uri="{FF2B5EF4-FFF2-40B4-BE49-F238E27FC236}">
+                <a16:creationId xmlns:a16="http://schemas.microsoft.com/office/drawing/2014/main" id="{2BE8A66B-7211-48E2-ED17-78BC541ED9C8}"/>
               </a:ext>
             </a:extLst>
           </p:cNvPr>
@@ -3688,13 +3994,18 @@
         </p:nvSpPr>
         <p:spPr>
           <a:xfrm>
-            <a:off x="6095998" y="1720515"/>
-            <a:ext cx="2994735" cy="369332"/>
+            <a:off x="1285993" y="3831614"/>
+            <a:ext cx="1740023" cy="369332"/>
           </a:xfrm>
           <a:prstGeom prst="rect">
             <a:avLst/>
           </a:prstGeom>
           <a:noFill/>
+          <a:ln>
+            <a:solidFill>
+              <a:schemeClr val="accent1"/>
+            </a:solidFill>
+          </a:ln>
         </p:spPr>
         <p:txBody>
           <a:bodyPr wrap="square" rtlCol="0">
@@ -3708,11 +4019,15 @@
                   <a:srgbClr val="0070C0"/>
                 </a:solidFill>
               </a:rPr>
-              <a:t>Settings</a:t>
-            </a:r>
-            <a:r>
-              <a:rPr lang="en-GB" dirty="0"/>
-              <a:t> </a:t>
+              <a:t>Settings.</a:t>
+            </a:r>
+            <a:r>
+              <a:rPr lang="en-GB" b="1" dirty="0">
+                <a:solidFill>
+                  <a:srgbClr val="0070C0"/>
+                </a:solidFill>
+              </a:rPr>
+              <a:t>dev</a:t>
             </a:r>
             <a:r>
               <a:rPr lang="en-GB" dirty="0">
@@ -3720,31 +4035,259 @@
                   <a:srgbClr val="0070C0"/>
                 </a:solidFill>
               </a:rPr>
-              <a:t>for</a:t>
-            </a:r>
-            <a:r>
-              <a:rPr lang="en-GB" dirty="0"/>
-              <a:t> </a:t>
-            </a:r>
+              <a:t>.ini</a:t>
+            </a:r>
+          </a:p>
+        </p:txBody>
+      </p:sp>
+      <p:sp>
+        <p:nvSpPr>
+          <p:cNvPr id="20" name="TextBox 19">
+            <a:extLst>
+              <a:ext uri="{FF2B5EF4-FFF2-40B4-BE49-F238E27FC236}">
+                <a16:creationId xmlns:a16="http://schemas.microsoft.com/office/drawing/2014/main" id="{751A1B86-BA71-A3FC-DDC6-3F19B95B4783}"/>
+              </a:ext>
+            </a:extLst>
+          </p:cNvPr>
+          <p:cNvSpPr txBox="1"/>
+          <p:nvPr/>
+        </p:nvSpPr>
+        <p:spPr>
+          <a:xfrm>
+            <a:off x="1285993" y="3390803"/>
+            <a:ext cx="1740023" cy="369332"/>
+          </a:xfrm>
+          <a:prstGeom prst="rect">
+            <a:avLst/>
+          </a:prstGeom>
+          <a:noFill/>
+          <a:ln>
+            <a:solidFill>
+              <a:schemeClr val="accent1"/>
+            </a:solidFill>
+          </a:ln>
+        </p:spPr>
+        <p:txBody>
+          <a:bodyPr wrap="square" rtlCol="0">
+            <a:spAutoFit/>
+          </a:bodyPr>
+          <a:lstStyle/>
+          <a:p>
             <a:r>
               <a:rPr lang="en-GB" dirty="0">
                 <a:solidFill>
-                  <a:srgbClr val="0070C0"/>
+                  <a:srgbClr val="FFC000"/>
                 </a:solidFill>
               </a:rPr>
-              <a:t>DEV</a:t>
-            </a:r>
+              <a:t>Settings.ini</a:t>
+            </a:r>
+          </a:p>
+        </p:txBody>
+      </p:sp>
+      <p:sp>
+        <p:nvSpPr>
+          <p:cNvPr id="21" name="Speech Bubble: Rectangle 20">
+            <a:extLst>
+              <a:ext uri="{FF2B5EF4-FFF2-40B4-BE49-F238E27FC236}">
+                <a16:creationId xmlns:a16="http://schemas.microsoft.com/office/drawing/2014/main" id="{AF4BCCEF-7EE6-DD19-D3A1-157E43E56AEA}"/>
+              </a:ext>
+            </a:extLst>
+          </p:cNvPr>
+          <p:cNvSpPr/>
+          <p:nvPr/>
+        </p:nvSpPr>
+        <p:spPr>
+          <a:xfrm>
+            <a:off x="858416" y="1734118"/>
+            <a:ext cx="1772817" cy="607866"/>
+          </a:xfrm>
+          <a:prstGeom prst="wedgeRectCallout">
+            <a:avLst>
+              <a:gd name="adj1" fmla="val -11678"/>
+              <a:gd name="adj2" fmla="val 238010"/>
+            </a:avLst>
+          </a:prstGeom>
+        </p:spPr>
+        <p:style>
+          <a:lnRef idx="2">
+            <a:schemeClr val="accent1">
+              <a:shade val="15000"/>
+            </a:schemeClr>
+          </a:lnRef>
+          <a:fillRef idx="1">
+            <a:schemeClr val="accent1"/>
+          </a:fillRef>
+          <a:effectRef idx="0">
+            <a:schemeClr val="accent1"/>
+          </a:effectRef>
+          <a:fontRef idx="minor">
+            <a:schemeClr val="lt1"/>
+          </a:fontRef>
+        </p:style>
+        <p:txBody>
+          <a:bodyPr rtlCol="0" anchor="ctr"/>
+          <a:lstStyle/>
+          <a:p>
+            <a:pPr algn="ctr"/>
+            <a:r>
+              <a:rPr lang="en-GB" b="1" dirty="0"/>
+              <a:t>Step 1</a:t>
+            </a:r>
+          </a:p>
+          <a:p>
+            <a:pPr algn="ctr"/>
             <a:r>
               <a:rPr lang="en-GB" dirty="0"/>
-              <a:t> </a:t>
-            </a:r>
-            <a:r>
-              <a:rPr lang="en-GB" dirty="0">
-                <a:solidFill>
-                  <a:srgbClr val="0070C0"/>
-                </a:solidFill>
-              </a:rPr>
-              <a:t>environment</a:t>
+              <a:t>3 config files</a:t>
+            </a:r>
+          </a:p>
+        </p:txBody>
+      </p:sp>
+      <p:sp>
+        <p:nvSpPr>
+          <p:cNvPr id="22" name="Speech Bubble: Rectangle 21">
+            <a:extLst>
+              <a:ext uri="{FF2B5EF4-FFF2-40B4-BE49-F238E27FC236}">
+                <a16:creationId xmlns:a16="http://schemas.microsoft.com/office/drawing/2014/main" id="{902EF458-BB82-C6FA-5429-2221C37AB425}"/>
+              </a:ext>
+            </a:extLst>
+          </p:cNvPr>
+          <p:cNvSpPr/>
+          <p:nvPr/>
+        </p:nvSpPr>
+        <p:spPr>
+          <a:xfrm>
+            <a:off x="345233" y="5062280"/>
+            <a:ext cx="4236097" cy="923330"/>
+          </a:xfrm>
+          <a:prstGeom prst="wedgeRectCallout">
+            <a:avLst>
+              <a:gd name="adj1" fmla="val 133603"/>
+              <a:gd name="adj2" fmla="val -107002"/>
+            </a:avLst>
+          </a:prstGeom>
+        </p:spPr>
+        <p:style>
+          <a:lnRef idx="2">
+            <a:schemeClr val="accent1">
+              <a:shade val="15000"/>
+            </a:schemeClr>
+          </a:lnRef>
+          <a:fillRef idx="1">
+            <a:schemeClr val="accent1"/>
+          </a:fillRef>
+          <a:effectRef idx="0">
+            <a:schemeClr val="accent1"/>
+          </a:effectRef>
+          <a:fontRef idx="minor">
+            <a:schemeClr val="lt1"/>
+          </a:fontRef>
+        </p:style>
+        <p:txBody>
+          <a:bodyPr rtlCol="0" anchor="ctr"/>
+          <a:lstStyle/>
+          <a:p>
+            <a:pPr algn="ctr"/>
+            <a:r>
+              <a:rPr lang="en-GB" b="1" dirty="0"/>
+              <a:t>Step 2</a:t>
+            </a:r>
+          </a:p>
+          <a:p>
+            <a:pPr algn="ctr"/>
+            <a:r>
+              <a:rPr lang="en-GB" dirty="0"/>
+              <a:t>Use </a:t>
+            </a:r>
+            <a:r>
+              <a:rPr lang="en-GB" b="1" dirty="0" err="1"/>
+              <a:t>os.environ</a:t>
+            </a:r>
+            <a:r>
+              <a:rPr lang="en-GB" b="1" dirty="0"/>
+              <a:t>[“environment”]</a:t>
+            </a:r>
+            <a:r>
+              <a:rPr lang="en-GB" dirty="0"/>
+              <a:t> to load the environment specific config  file</a:t>
+            </a:r>
+          </a:p>
+        </p:txBody>
+      </p:sp>
+      <p:sp>
+        <p:nvSpPr>
+          <p:cNvPr id="23" name="Speech Bubble: Rectangle 22">
+            <a:extLst>
+              <a:ext uri="{FF2B5EF4-FFF2-40B4-BE49-F238E27FC236}">
+                <a16:creationId xmlns:a16="http://schemas.microsoft.com/office/drawing/2014/main" id="{05A5BE1F-5446-BEE2-2839-9D0D6FE47513}"/>
+              </a:ext>
+            </a:extLst>
+          </p:cNvPr>
+          <p:cNvSpPr/>
+          <p:nvPr/>
+        </p:nvSpPr>
+        <p:spPr>
+          <a:xfrm>
+            <a:off x="590455" y="256928"/>
+            <a:ext cx="3182223" cy="1145976"/>
+          </a:xfrm>
+          <a:prstGeom prst="wedgeRectCallout">
+            <a:avLst>
+              <a:gd name="adj1" fmla="val 132312"/>
+              <a:gd name="adj2" fmla="val 19082"/>
+            </a:avLst>
+          </a:prstGeom>
+        </p:spPr>
+        <p:style>
+          <a:lnRef idx="2">
+            <a:schemeClr val="accent1">
+              <a:shade val="15000"/>
+            </a:schemeClr>
+          </a:lnRef>
+          <a:fillRef idx="1">
+            <a:schemeClr val="accent1"/>
+          </a:fillRef>
+          <a:effectRef idx="0">
+            <a:schemeClr val="accent1"/>
+          </a:effectRef>
+          <a:fontRef idx="minor">
+            <a:schemeClr val="lt1"/>
+          </a:fontRef>
+        </p:style>
+        <p:txBody>
+          <a:bodyPr rtlCol="0" anchor="ctr"/>
+          <a:lstStyle/>
+          <a:p>
+            <a:pPr algn="ctr"/>
+            <a:r>
+              <a:rPr lang="en-GB" b="1" dirty="0"/>
+              <a:t>Step 3</a:t>
+            </a:r>
+          </a:p>
+          <a:p>
+            <a:pPr algn="ctr"/>
+            <a:r>
+              <a:rPr lang="en-GB" dirty="0"/>
+              <a:t>All secrets are read from environment variables using the</a:t>
+            </a:r>
+          </a:p>
+          <a:p>
+            <a:pPr algn="ctr"/>
+            <a:r>
+              <a:rPr lang="en-GB" b="1" dirty="0"/>
+              <a:t>${</a:t>
+            </a:r>
+            <a:r>
+              <a:rPr lang="en-GB" b="1" dirty="0" err="1"/>
+              <a:t>variable_name</a:t>
+            </a:r>
+            <a:r>
+              <a:rPr lang="en-GB" b="1" dirty="0"/>
+              <a:t>}</a:t>
+            </a:r>
+            <a:r>
+              <a:rPr lang="en-GB" dirty="0"/>
+              <a:t> notation</a:t>
             </a:r>
           </a:p>
         </p:txBody>
@@ -3781,6 +4324,436 @@
       </p:grpSpPr>
       <p:sp>
         <p:nvSpPr>
+          <p:cNvPr id="2" name="TextBox 1">
+            <a:extLst>
+              <a:ext uri="{FF2B5EF4-FFF2-40B4-BE49-F238E27FC236}">
+                <a16:creationId xmlns:a16="http://schemas.microsoft.com/office/drawing/2014/main" id="{082DBF3A-3CCA-A633-BD2E-6D1428116683}"/>
+              </a:ext>
+            </a:extLst>
+          </p:cNvPr>
+          <p:cNvSpPr txBox="1"/>
+          <p:nvPr/>
+        </p:nvSpPr>
+        <p:spPr>
+          <a:xfrm>
+            <a:off x="2459115" y="1447060"/>
+            <a:ext cx="1740023" cy="1200329"/>
+          </a:xfrm>
+          <a:prstGeom prst="rect">
+            <a:avLst/>
+          </a:prstGeom>
+          <a:noFill/>
+          <a:ln>
+            <a:solidFill>
+              <a:schemeClr val="accent1"/>
+            </a:solidFill>
+          </a:ln>
+        </p:spPr>
+        <p:txBody>
+          <a:bodyPr wrap="square" rtlCol="0">
+            <a:spAutoFit/>
+          </a:bodyPr>
+          <a:lstStyle/>
+          <a:p>
+            <a:r>
+              <a:rPr lang="en-GB" dirty="0">
+                <a:solidFill>
+                  <a:srgbClr val="FFC000"/>
+                </a:solidFill>
+              </a:rPr>
+              <a:t>Settings.ini</a:t>
+            </a:r>
+          </a:p>
+          <a:p>
+            <a:r>
+              <a:rPr lang="en-GB" dirty="0">
+                <a:solidFill>
+                  <a:srgbClr val="0070C0"/>
+                </a:solidFill>
+              </a:rPr>
+              <a:t>Settings.</a:t>
+            </a:r>
+            <a:r>
+              <a:rPr lang="en-GB" b="1" dirty="0">
+                <a:solidFill>
+                  <a:srgbClr val="0070C0"/>
+                </a:solidFill>
+              </a:rPr>
+              <a:t>dev</a:t>
+            </a:r>
+            <a:r>
+              <a:rPr lang="en-GB" dirty="0">
+                <a:solidFill>
+                  <a:srgbClr val="0070C0"/>
+                </a:solidFill>
+              </a:rPr>
+              <a:t>.ini</a:t>
+            </a:r>
+          </a:p>
+          <a:p>
+            <a:r>
+              <a:rPr lang="en-GB" dirty="0">
+                <a:solidFill>
+                  <a:schemeClr val="accent6">
+                    <a:lumMod val="75000"/>
+                  </a:schemeClr>
+                </a:solidFill>
+              </a:rPr>
+              <a:t>Settings.</a:t>
+            </a:r>
+            <a:r>
+              <a:rPr lang="en-GB" b="1" dirty="0">
+                <a:solidFill>
+                  <a:schemeClr val="accent6">
+                    <a:lumMod val="75000"/>
+                  </a:schemeClr>
+                </a:solidFill>
+              </a:rPr>
+              <a:t>prod</a:t>
+            </a:r>
+            <a:r>
+              <a:rPr lang="en-GB" dirty="0">
+                <a:solidFill>
+                  <a:schemeClr val="accent6">
+                    <a:lumMod val="75000"/>
+                  </a:schemeClr>
+                </a:solidFill>
+              </a:rPr>
+              <a:t>.ini</a:t>
+            </a:r>
+          </a:p>
+          <a:p>
+            <a:endParaRPr lang="en-GB" dirty="0"/>
+          </a:p>
+        </p:txBody>
+      </p:sp>
+      <p:cxnSp>
+        <p:nvCxnSpPr>
+          <p:cNvPr id="4" name="Connector: Elbow 3">
+            <a:extLst>
+              <a:ext uri="{FF2B5EF4-FFF2-40B4-BE49-F238E27FC236}">
+                <a16:creationId xmlns:a16="http://schemas.microsoft.com/office/drawing/2014/main" id="{2A73E6E4-96AE-D819-48D4-5B02287FDE4B}"/>
+              </a:ext>
+            </a:extLst>
+          </p:cNvPr>
+          <p:cNvCxnSpPr>
+            <a:cxnSpLocks/>
+          </p:cNvCxnSpPr>
+          <p:nvPr/>
+        </p:nvCxnSpPr>
+        <p:spPr>
+          <a:xfrm flipV="1">
+            <a:off x="4101483" y="896645"/>
+            <a:ext cx="1997475" cy="736846"/>
+          </a:xfrm>
+          <a:prstGeom prst="bentConnector3">
+            <a:avLst/>
+          </a:prstGeom>
+          <a:ln>
+            <a:tailEnd type="triangle"/>
+          </a:ln>
+        </p:spPr>
+        <p:style>
+          <a:lnRef idx="1">
+            <a:schemeClr val="accent1"/>
+          </a:lnRef>
+          <a:fillRef idx="0">
+            <a:schemeClr val="accent1"/>
+          </a:fillRef>
+          <a:effectRef idx="0">
+            <a:schemeClr val="accent1"/>
+          </a:effectRef>
+          <a:fontRef idx="minor">
+            <a:schemeClr val="tx1"/>
+          </a:fontRef>
+        </p:style>
+      </p:cxnSp>
+      <p:cxnSp>
+        <p:nvCxnSpPr>
+          <p:cNvPr id="6" name="Connector: Elbow 5">
+            <a:extLst>
+              <a:ext uri="{FF2B5EF4-FFF2-40B4-BE49-F238E27FC236}">
+                <a16:creationId xmlns:a16="http://schemas.microsoft.com/office/drawing/2014/main" id="{3FD3DC61-FE4F-E15A-676B-60928631128E}"/>
+              </a:ext>
+            </a:extLst>
+          </p:cNvPr>
+          <p:cNvCxnSpPr>
+            <a:cxnSpLocks/>
+          </p:cNvCxnSpPr>
+          <p:nvPr/>
+        </p:nvCxnSpPr>
+        <p:spPr>
+          <a:xfrm>
+            <a:off x="4102961" y="2176872"/>
+            <a:ext cx="1994517" cy="923278"/>
+          </a:xfrm>
+          <a:prstGeom prst="bentConnector3">
+            <a:avLst/>
+          </a:prstGeom>
+          <a:ln>
+            <a:tailEnd type="triangle"/>
+          </a:ln>
+        </p:spPr>
+        <p:style>
+          <a:lnRef idx="1">
+            <a:schemeClr val="accent1"/>
+          </a:lnRef>
+          <a:fillRef idx="0">
+            <a:schemeClr val="accent1"/>
+          </a:fillRef>
+          <a:effectRef idx="0">
+            <a:schemeClr val="accent1"/>
+          </a:effectRef>
+          <a:fontRef idx="minor">
+            <a:schemeClr val="tx1"/>
+          </a:fontRef>
+        </p:style>
+      </p:cxnSp>
+      <p:sp>
+        <p:nvSpPr>
+          <p:cNvPr id="8" name="TextBox 7">
+            <a:extLst>
+              <a:ext uri="{FF2B5EF4-FFF2-40B4-BE49-F238E27FC236}">
+                <a16:creationId xmlns:a16="http://schemas.microsoft.com/office/drawing/2014/main" id="{DE6DC1B8-2DB4-7CE1-E452-2A070BCBC6FF}"/>
+              </a:ext>
+            </a:extLst>
+          </p:cNvPr>
+          <p:cNvSpPr txBox="1"/>
+          <p:nvPr/>
+        </p:nvSpPr>
+        <p:spPr>
+          <a:xfrm>
+            <a:off x="6096000" y="711979"/>
+            <a:ext cx="1775534" cy="369332"/>
+          </a:xfrm>
+          <a:prstGeom prst="rect">
+            <a:avLst/>
+          </a:prstGeom>
+          <a:noFill/>
+        </p:spPr>
+        <p:txBody>
+          <a:bodyPr wrap="square" rtlCol="0">
+            <a:spAutoFit/>
+          </a:bodyPr>
+          <a:lstStyle/>
+          <a:p>
+            <a:r>
+              <a:rPr lang="en-GB" dirty="0">
+                <a:solidFill>
+                  <a:srgbClr val="FFC000"/>
+                </a:solidFill>
+              </a:rPr>
+              <a:t>Base</a:t>
+            </a:r>
+            <a:r>
+              <a:rPr lang="en-GB" dirty="0"/>
+              <a:t> </a:t>
+            </a:r>
+            <a:r>
+              <a:rPr lang="en-GB" dirty="0">
+                <a:solidFill>
+                  <a:srgbClr val="FFC000"/>
+                </a:solidFill>
+              </a:rPr>
+              <a:t>settings</a:t>
+            </a:r>
+          </a:p>
+        </p:txBody>
+      </p:sp>
+      <p:sp>
+        <p:nvSpPr>
+          <p:cNvPr id="9" name="TextBox 8">
+            <a:extLst>
+              <a:ext uri="{FF2B5EF4-FFF2-40B4-BE49-F238E27FC236}">
+                <a16:creationId xmlns:a16="http://schemas.microsoft.com/office/drawing/2014/main" id="{79D58D5C-073D-D9CC-0409-66B57C552D11}"/>
+              </a:ext>
+            </a:extLst>
+          </p:cNvPr>
+          <p:cNvSpPr txBox="1"/>
+          <p:nvPr/>
+        </p:nvSpPr>
+        <p:spPr>
+          <a:xfrm>
+            <a:off x="6095999" y="2835222"/>
+            <a:ext cx="3438618" cy="369332"/>
+          </a:xfrm>
+          <a:prstGeom prst="rect">
+            <a:avLst/>
+          </a:prstGeom>
+          <a:noFill/>
+        </p:spPr>
+        <p:txBody>
+          <a:bodyPr wrap="square" rtlCol="0">
+            <a:spAutoFit/>
+          </a:bodyPr>
+          <a:lstStyle>
+            <a:defPPr>
+              <a:defRPr lang="en-US"/>
+            </a:defPPr>
+            <a:lvl1pPr>
+              <a:defRPr>
+                <a:solidFill>
+                  <a:schemeClr val="accent6">
+                    <a:lumMod val="75000"/>
+                  </a:schemeClr>
+                </a:solidFill>
+              </a:defRPr>
+            </a:lvl1pPr>
+          </a:lstStyle>
+          <a:p>
+            <a:r>
+              <a:rPr lang="en-GB" dirty="0"/>
+              <a:t>Settings for PROD environment</a:t>
+            </a:r>
+          </a:p>
+        </p:txBody>
+      </p:sp>
+      <p:cxnSp>
+        <p:nvCxnSpPr>
+          <p:cNvPr id="11" name="Straight Arrow Connector 10">
+            <a:extLst>
+              <a:ext uri="{FF2B5EF4-FFF2-40B4-BE49-F238E27FC236}">
+                <a16:creationId xmlns:a16="http://schemas.microsoft.com/office/drawing/2014/main" id="{60DAA0DE-D82E-F342-0119-9DD28192E28E}"/>
+              </a:ext>
+            </a:extLst>
+          </p:cNvPr>
+          <p:cNvCxnSpPr/>
+          <p:nvPr/>
+        </p:nvCxnSpPr>
+        <p:spPr>
+          <a:xfrm>
+            <a:off x="4101483" y="1890944"/>
+            <a:ext cx="1994516" cy="0"/>
+          </a:xfrm>
+          <a:prstGeom prst="straightConnector1">
+            <a:avLst/>
+          </a:prstGeom>
+          <a:ln>
+            <a:tailEnd type="triangle"/>
+          </a:ln>
+        </p:spPr>
+        <p:style>
+          <a:lnRef idx="1">
+            <a:schemeClr val="accent1"/>
+          </a:lnRef>
+          <a:fillRef idx="0">
+            <a:schemeClr val="accent1"/>
+          </a:fillRef>
+          <a:effectRef idx="0">
+            <a:schemeClr val="accent1"/>
+          </a:effectRef>
+          <a:fontRef idx="minor">
+            <a:schemeClr val="tx1"/>
+          </a:fontRef>
+        </p:style>
+      </p:cxnSp>
+      <p:sp>
+        <p:nvSpPr>
+          <p:cNvPr id="12" name="TextBox 11">
+            <a:extLst>
+              <a:ext uri="{FF2B5EF4-FFF2-40B4-BE49-F238E27FC236}">
+                <a16:creationId xmlns:a16="http://schemas.microsoft.com/office/drawing/2014/main" id="{281F6006-2686-567C-E433-D4FE309B8519}"/>
+              </a:ext>
+            </a:extLst>
+          </p:cNvPr>
+          <p:cNvSpPr txBox="1"/>
+          <p:nvPr/>
+        </p:nvSpPr>
+        <p:spPr>
+          <a:xfrm>
+            <a:off x="6095998" y="1720515"/>
+            <a:ext cx="2994735" cy="369332"/>
+          </a:xfrm>
+          <a:prstGeom prst="rect">
+            <a:avLst/>
+          </a:prstGeom>
+          <a:noFill/>
+        </p:spPr>
+        <p:txBody>
+          <a:bodyPr wrap="square" rtlCol="0">
+            <a:spAutoFit/>
+          </a:bodyPr>
+          <a:lstStyle/>
+          <a:p>
+            <a:r>
+              <a:rPr lang="en-GB" dirty="0">
+                <a:solidFill>
+                  <a:srgbClr val="0070C0"/>
+                </a:solidFill>
+              </a:rPr>
+              <a:t>Settings</a:t>
+            </a:r>
+            <a:r>
+              <a:rPr lang="en-GB" dirty="0"/>
+              <a:t> </a:t>
+            </a:r>
+            <a:r>
+              <a:rPr lang="en-GB" dirty="0">
+                <a:solidFill>
+                  <a:srgbClr val="0070C0"/>
+                </a:solidFill>
+              </a:rPr>
+              <a:t>for</a:t>
+            </a:r>
+            <a:r>
+              <a:rPr lang="en-GB" dirty="0"/>
+              <a:t> </a:t>
+            </a:r>
+            <a:r>
+              <a:rPr lang="en-GB" dirty="0">
+                <a:solidFill>
+                  <a:srgbClr val="0070C0"/>
+                </a:solidFill>
+              </a:rPr>
+              <a:t>DEV</a:t>
+            </a:r>
+            <a:r>
+              <a:rPr lang="en-GB" dirty="0"/>
+              <a:t> </a:t>
+            </a:r>
+            <a:r>
+              <a:rPr lang="en-GB" dirty="0">
+                <a:solidFill>
+                  <a:srgbClr val="0070C0"/>
+                </a:solidFill>
+              </a:rPr>
+              <a:t>environment</a:t>
+            </a:r>
+          </a:p>
+        </p:txBody>
+      </p:sp>
+    </p:spTree>
+    <p:extLst>
+      <p:ext uri="{BB962C8B-B14F-4D97-AF65-F5344CB8AC3E}">
+        <p14:creationId xmlns:p14="http://schemas.microsoft.com/office/powerpoint/2010/main" val="4131702680"/>
+      </p:ext>
+    </p:extLst>
+  </p:cSld>
+  <p:clrMapOvr>
+    <a:masterClrMapping/>
+  </p:clrMapOvr>
+</p:sld>
+</file>
+
+<file path=ppt/slides/slide3.xml><?xml version="1.0" encoding="utf-8"?>
+<p:sld xmlns:a="http://schemas.openxmlformats.org/drawingml/2006/main" xmlns:r="http://schemas.openxmlformats.org/officeDocument/2006/relationships" xmlns:p="http://schemas.openxmlformats.org/presentationml/2006/main">
+  <p:cSld>
+    <p:spTree>
+      <p:nvGrpSpPr>
+        <p:cNvPr id="1" name=""/>
+        <p:cNvGrpSpPr/>
+        <p:nvPr/>
+      </p:nvGrpSpPr>
+      <p:grpSpPr>
+        <a:xfrm>
+          <a:off x="0" y="0"/>
+          <a:ext cx="0" cy="0"/>
+          <a:chOff x="0" y="0"/>
+          <a:chExt cx="0" cy="0"/>
+        </a:xfrm>
+      </p:grpSpPr>
+      <p:sp>
+        <p:nvSpPr>
           <p:cNvPr id="3" name="TextBox 2">
             <a:extLst>
               <a:ext uri="{FF2B5EF4-FFF2-40B4-BE49-F238E27FC236}">
@@ -4445,7 +5418,7 @@
 </p:sld>
 </file>
 
-<file path=ppt/slides/slide3.xml><?xml version="1.0" encoding="utf-8"?>
+<file path=ppt/slides/slide4.xml><?xml version="1.0" encoding="utf-8"?>
 <p:sld xmlns:a="http://schemas.openxmlformats.org/drawingml/2006/main" xmlns:r="http://schemas.openxmlformats.org/officeDocument/2006/relationships" xmlns:p="http://schemas.openxmlformats.org/presentationml/2006/main">
   <p:cSld>
     <p:spTree>

--- a/layered-config-parser/docs/config-parser.pptx
+++ b/layered-config-parser/docs/config-parser.pptx
@@ -9,6 +9,7 @@
     <p:sldId id="259" r:id="rId3"/>
     <p:sldId id="257" r:id="rId4"/>
     <p:sldId id="258" r:id="rId5"/>
+    <p:sldId id="260" r:id="rId6"/>
   </p:sldIdLst>
   <p:sldSz cx="12192000" cy="6858000"/>
   <p:notesSz cx="6858000" cy="9144000"/>
@@ -264,7 +265,7 @@
           <a:p>
             <a:fld id="{660E623B-E821-47F9-99FD-CEF5B2DF5CBA}" type="datetimeFigureOut">
               <a:rPr lang="en-GB" smtClean="0"/>
-              <a:t>06/11/2023</a:t>
+              <a:t>08/11/2023</a:t>
             </a:fld>
             <a:endParaRPr lang="en-GB"/>
           </a:p>
@@ -464,7 +465,7 @@
           <a:p>
             <a:fld id="{660E623B-E821-47F9-99FD-CEF5B2DF5CBA}" type="datetimeFigureOut">
               <a:rPr lang="en-GB" smtClean="0"/>
-              <a:t>06/11/2023</a:t>
+              <a:t>08/11/2023</a:t>
             </a:fld>
             <a:endParaRPr lang="en-GB"/>
           </a:p>
@@ -674,7 +675,7 @@
           <a:p>
             <a:fld id="{660E623B-E821-47F9-99FD-CEF5B2DF5CBA}" type="datetimeFigureOut">
               <a:rPr lang="en-GB" smtClean="0"/>
-              <a:t>06/11/2023</a:t>
+              <a:t>08/11/2023</a:t>
             </a:fld>
             <a:endParaRPr lang="en-GB"/>
           </a:p>
@@ -874,7 +875,7 @@
           <a:p>
             <a:fld id="{660E623B-E821-47F9-99FD-CEF5B2DF5CBA}" type="datetimeFigureOut">
               <a:rPr lang="en-GB" smtClean="0"/>
-              <a:t>06/11/2023</a:t>
+              <a:t>08/11/2023</a:t>
             </a:fld>
             <a:endParaRPr lang="en-GB"/>
           </a:p>
@@ -1150,7 +1151,7 @@
           <a:p>
             <a:fld id="{660E623B-E821-47F9-99FD-CEF5B2DF5CBA}" type="datetimeFigureOut">
               <a:rPr lang="en-GB" smtClean="0"/>
-              <a:t>06/11/2023</a:t>
+              <a:t>08/11/2023</a:t>
             </a:fld>
             <a:endParaRPr lang="en-GB"/>
           </a:p>
@@ -1418,7 +1419,7 @@
           <a:p>
             <a:fld id="{660E623B-E821-47F9-99FD-CEF5B2DF5CBA}" type="datetimeFigureOut">
               <a:rPr lang="en-GB" smtClean="0"/>
-              <a:t>06/11/2023</a:t>
+              <a:t>08/11/2023</a:t>
             </a:fld>
             <a:endParaRPr lang="en-GB"/>
           </a:p>
@@ -1833,7 +1834,7 @@
           <a:p>
             <a:fld id="{660E623B-E821-47F9-99FD-CEF5B2DF5CBA}" type="datetimeFigureOut">
               <a:rPr lang="en-GB" smtClean="0"/>
-              <a:t>06/11/2023</a:t>
+              <a:t>08/11/2023</a:t>
             </a:fld>
             <a:endParaRPr lang="en-GB"/>
           </a:p>
@@ -1975,7 +1976,7 @@
           <a:p>
             <a:fld id="{660E623B-E821-47F9-99FD-CEF5B2DF5CBA}" type="datetimeFigureOut">
               <a:rPr lang="en-GB" smtClean="0"/>
-              <a:t>06/11/2023</a:t>
+              <a:t>08/11/2023</a:t>
             </a:fld>
             <a:endParaRPr lang="en-GB"/>
           </a:p>
@@ -2088,7 +2089,7 @@
           <a:p>
             <a:fld id="{660E623B-E821-47F9-99FD-CEF5B2DF5CBA}" type="datetimeFigureOut">
               <a:rPr lang="en-GB" smtClean="0"/>
-              <a:t>06/11/2023</a:t>
+              <a:t>08/11/2023</a:t>
             </a:fld>
             <a:endParaRPr lang="en-GB"/>
           </a:p>
@@ -2401,7 +2402,7 @@
           <a:p>
             <a:fld id="{660E623B-E821-47F9-99FD-CEF5B2DF5CBA}" type="datetimeFigureOut">
               <a:rPr lang="en-GB" smtClean="0"/>
-              <a:t>06/11/2023</a:t>
+              <a:t>08/11/2023</a:t>
             </a:fld>
             <a:endParaRPr lang="en-GB"/>
           </a:p>
@@ -2690,7 +2691,7 @@
           <a:p>
             <a:fld id="{660E623B-E821-47F9-99FD-CEF5B2DF5CBA}" type="datetimeFigureOut">
               <a:rPr lang="en-GB" smtClean="0"/>
-              <a:t>06/11/2023</a:t>
+              <a:t>08/11/2023</a:t>
             </a:fld>
             <a:endParaRPr lang="en-GB"/>
           </a:p>
@@ -2933,7 +2934,7 @@
           <a:p>
             <a:fld id="{660E623B-E821-47F9-99FD-CEF5B2DF5CBA}" type="datetimeFigureOut">
               <a:rPr lang="en-GB" smtClean="0"/>
-              <a:t>06/11/2023</a:t>
+              <a:t>08/11/2023</a:t>
             </a:fld>
             <a:endParaRPr lang="en-GB"/>
           </a:p>
@@ -5783,6 +5784,425 @@
 </p:sld>
 </file>
 
+<file path=ppt/slides/slide5.xml><?xml version="1.0" encoding="utf-8"?>
+<p:sld xmlns:a="http://schemas.openxmlformats.org/drawingml/2006/main" xmlns:r="http://schemas.openxmlformats.org/officeDocument/2006/relationships" xmlns:p="http://schemas.openxmlformats.org/presentationml/2006/main">
+  <p:cSld>
+    <p:spTree>
+      <p:nvGrpSpPr>
+        <p:cNvPr id="1" name=""/>
+        <p:cNvGrpSpPr/>
+        <p:nvPr/>
+      </p:nvGrpSpPr>
+      <p:grpSpPr>
+        <a:xfrm>
+          <a:off x="0" y="0"/>
+          <a:ext cx="0" cy="0"/>
+          <a:chOff x="0" y="0"/>
+          <a:chExt cx="0" cy="0"/>
+        </a:xfrm>
+      </p:grpSpPr>
+      <p:pic>
+        <p:nvPicPr>
+          <p:cNvPr id="3" name="Picture 2">
+            <a:extLst>
+              <a:ext uri="{FF2B5EF4-FFF2-40B4-BE49-F238E27FC236}">
+                <a16:creationId xmlns:a16="http://schemas.microsoft.com/office/drawing/2014/main" id="{4AB077A6-2775-C413-FFCF-C5CB092BEC4C}"/>
+              </a:ext>
+            </a:extLst>
+          </p:cNvPr>
+          <p:cNvPicPr>
+            <a:picLocks noChangeAspect="1"/>
+          </p:cNvPicPr>
+          <p:nvPr/>
+        </p:nvPicPr>
+        <p:blipFill>
+          <a:blip r:embed="rId2"/>
+          <a:stretch>
+            <a:fillRect/>
+          </a:stretch>
+        </p:blipFill>
+        <p:spPr>
+          <a:xfrm>
+            <a:off x="1741811" y="762000"/>
+            <a:ext cx="3800475" cy="5334000"/>
+          </a:xfrm>
+          <a:prstGeom prst="rect">
+            <a:avLst/>
+          </a:prstGeom>
+        </p:spPr>
+      </p:pic>
+      <p:sp>
+        <p:nvSpPr>
+          <p:cNvPr id="4" name="Rectangle: Rounded Corners 3">
+            <a:extLst>
+              <a:ext uri="{FF2B5EF4-FFF2-40B4-BE49-F238E27FC236}">
+                <a16:creationId xmlns:a16="http://schemas.microsoft.com/office/drawing/2014/main" id="{8BA9BC62-2932-2539-20BB-2CDF02B6FB8E}"/>
+              </a:ext>
+            </a:extLst>
+          </p:cNvPr>
+          <p:cNvSpPr/>
+          <p:nvPr/>
+        </p:nvSpPr>
+        <p:spPr>
+          <a:xfrm>
+            <a:off x="2985796" y="4238206"/>
+            <a:ext cx="2388637" cy="679027"/>
+          </a:xfrm>
+          <a:prstGeom prst="roundRect">
+            <a:avLst/>
+          </a:prstGeom>
+          <a:noFill/>
+          <a:ln>
+            <a:prstDash val="dash"/>
+          </a:ln>
+        </p:spPr>
+        <p:style>
+          <a:lnRef idx="2">
+            <a:schemeClr val="accent1">
+              <a:shade val="15000"/>
+            </a:schemeClr>
+          </a:lnRef>
+          <a:fillRef idx="1">
+            <a:schemeClr val="accent1"/>
+          </a:fillRef>
+          <a:effectRef idx="0">
+            <a:schemeClr val="accent1"/>
+          </a:effectRef>
+          <a:fontRef idx="minor">
+            <a:schemeClr val="lt1"/>
+          </a:fontRef>
+        </p:style>
+        <p:txBody>
+          <a:bodyPr rtlCol="0" anchor="ctr"/>
+          <a:lstStyle/>
+          <a:p>
+            <a:pPr algn="ctr"/>
+            <a:endParaRPr lang="en-GB"/>
+          </a:p>
+        </p:txBody>
+      </p:sp>
+      <p:sp>
+        <p:nvSpPr>
+          <p:cNvPr id="5" name="Speech Bubble: Rectangle 4">
+            <a:extLst>
+              <a:ext uri="{FF2B5EF4-FFF2-40B4-BE49-F238E27FC236}">
+                <a16:creationId xmlns:a16="http://schemas.microsoft.com/office/drawing/2014/main" id="{7F1DA341-378D-C7B6-FBEB-ACA7B9C36196}"/>
+              </a:ext>
+            </a:extLst>
+          </p:cNvPr>
+          <p:cNvSpPr/>
+          <p:nvPr/>
+        </p:nvSpPr>
+        <p:spPr>
+          <a:xfrm>
+            <a:off x="6456784" y="2864498"/>
+            <a:ext cx="2351314" cy="363894"/>
+          </a:xfrm>
+          <a:prstGeom prst="wedgeRectCallout">
+            <a:avLst>
+              <a:gd name="adj1" fmla="val -145833"/>
+              <a:gd name="adj2" fmla="val 111050"/>
+            </a:avLst>
+          </a:prstGeom>
+        </p:spPr>
+        <p:style>
+          <a:lnRef idx="2">
+            <a:schemeClr val="accent1">
+              <a:shade val="15000"/>
+            </a:schemeClr>
+          </a:lnRef>
+          <a:fillRef idx="1">
+            <a:schemeClr val="accent1"/>
+          </a:fillRef>
+          <a:effectRef idx="0">
+            <a:schemeClr val="accent1"/>
+          </a:effectRef>
+          <a:fontRef idx="minor">
+            <a:schemeClr val="lt1"/>
+          </a:fontRef>
+        </p:style>
+        <p:txBody>
+          <a:bodyPr rtlCol="0" anchor="ctr"/>
+          <a:lstStyle/>
+          <a:p>
+            <a:pPr algn="ctr"/>
+            <a:r>
+              <a:rPr lang="en-GB" dirty="0"/>
+              <a:t>Base settings file</a:t>
+            </a:r>
+          </a:p>
+        </p:txBody>
+      </p:sp>
+      <p:sp>
+        <p:nvSpPr>
+          <p:cNvPr id="6" name="Speech Bubble: Rectangle 5">
+            <a:extLst>
+              <a:ext uri="{FF2B5EF4-FFF2-40B4-BE49-F238E27FC236}">
+                <a16:creationId xmlns:a16="http://schemas.microsoft.com/office/drawing/2014/main" id="{E510283E-1E60-719D-4CF8-EA6CD04E5D06}"/>
+              </a:ext>
+            </a:extLst>
+          </p:cNvPr>
+          <p:cNvSpPr/>
+          <p:nvPr/>
+        </p:nvSpPr>
+        <p:spPr>
+          <a:xfrm>
+            <a:off x="6456784" y="3401007"/>
+            <a:ext cx="2351314" cy="363894"/>
+          </a:xfrm>
+          <a:prstGeom prst="wedgeRectCallout">
+            <a:avLst>
+              <a:gd name="adj1" fmla="val -143849"/>
+              <a:gd name="adj2" fmla="val 62332"/>
+            </a:avLst>
+          </a:prstGeom>
+        </p:spPr>
+        <p:style>
+          <a:lnRef idx="2">
+            <a:schemeClr val="accent1">
+              <a:shade val="15000"/>
+            </a:schemeClr>
+          </a:lnRef>
+          <a:fillRef idx="1">
+            <a:schemeClr val="accent1"/>
+          </a:fillRef>
+          <a:effectRef idx="0">
+            <a:schemeClr val="accent1"/>
+          </a:effectRef>
+          <a:fontRef idx="minor">
+            <a:schemeClr val="lt1"/>
+          </a:fontRef>
+        </p:style>
+        <p:txBody>
+          <a:bodyPr rtlCol="0" anchor="ctr"/>
+          <a:lstStyle/>
+          <a:p>
+            <a:pPr algn="ctr"/>
+            <a:r>
+              <a:rPr lang="en-GB" b="1" dirty="0"/>
+              <a:t>PROD</a:t>
+            </a:r>
+            <a:r>
+              <a:rPr lang="en-GB" dirty="0"/>
+              <a:t> settings file</a:t>
+            </a:r>
+          </a:p>
+        </p:txBody>
+      </p:sp>
+      <p:sp>
+        <p:nvSpPr>
+          <p:cNvPr id="7" name="Speech Bubble: Rectangle 6">
+            <a:extLst>
+              <a:ext uri="{FF2B5EF4-FFF2-40B4-BE49-F238E27FC236}">
+                <a16:creationId xmlns:a16="http://schemas.microsoft.com/office/drawing/2014/main" id="{47D14736-111F-C994-DC48-8916028A0F21}"/>
+              </a:ext>
+            </a:extLst>
+          </p:cNvPr>
+          <p:cNvSpPr/>
+          <p:nvPr/>
+        </p:nvSpPr>
+        <p:spPr>
+          <a:xfrm>
+            <a:off x="6456784" y="2327989"/>
+            <a:ext cx="2351314" cy="363894"/>
+          </a:xfrm>
+          <a:prstGeom prst="wedgeRectCallout">
+            <a:avLst>
+              <a:gd name="adj1" fmla="val -142658"/>
+              <a:gd name="adj2" fmla="val 177717"/>
+            </a:avLst>
+          </a:prstGeom>
+        </p:spPr>
+        <p:style>
+          <a:lnRef idx="2">
+            <a:schemeClr val="accent1">
+              <a:shade val="15000"/>
+            </a:schemeClr>
+          </a:lnRef>
+          <a:fillRef idx="1">
+            <a:schemeClr val="accent1"/>
+          </a:fillRef>
+          <a:effectRef idx="0">
+            <a:schemeClr val="accent1"/>
+          </a:effectRef>
+          <a:fontRef idx="minor">
+            <a:schemeClr val="lt1"/>
+          </a:fontRef>
+        </p:style>
+        <p:txBody>
+          <a:bodyPr rtlCol="0" anchor="ctr"/>
+          <a:lstStyle/>
+          <a:p>
+            <a:pPr algn="ctr"/>
+            <a:r>
+              <a:rPr lang="en-GB" b="1" dirty="0"/>
+              <a:t>DEV</a:t>
+            </a:r>
+            <a:r>
+              <a:rPr lang="en-GB" dirty="0"/>
+              <a:t> settings file</a:t>
+            </a:r>
+          </a:p>
+        </p:txBody>
+      </p:sp>
+      <p:sp>
+        <p:nvSpPr>
+          <p:cNvPr id="8" name="Speech Bubble: Rectangle 7">
+            <a:extLst>
+              <a:ext uri="{FF2B5EF4-FFF2-40B4-BE49-F238E27FC236}">
+                <a16:creationId xmlns:a16="http://schemas.microsoft.com/office/drawing/2014/main" id="{F49B9F54-14B6-D983-0442-B6D0A2A1BD4B}"/>
+              </a:ext>
+            </a:extLst>
+          </p:cNvPr>
+          <p:cNvSpPr/>
+          <p:nvPr/>
+        </p:nvSpPr>
+        <p:spPr>
+          <a:xfrm>
+            <a:off x="6456784" y="1119674"/>
+            <a:ext cx="2351314" cy="587831"/>
+          </a:xfrm>
+          <a:prstGeom prst="wedgeRectCallout">
+            <a:avLst>
+              <a:gd name="adj1" fmla="val -142658"/>
+              <a:gd name="adj2" fmla="val 244383"/>
+            </a:avLst>
+          </a:prstGeom>
+        </p:spPr>
+        <p:style>
+          <a:lnRef idx="1">
+            <a:schemeClr val="accent4"/>
+          </a:lnRef>
+          <a:fillRef idx="3">
+            <a:schemeClr val="accent4"/>
+          </a:fillRef>
+          <a:effectRef idx="2">
+            <a:schemeClr val="accent4"/>
+          </a:effectRef>
+          <a:fontRef idx="minor">
+            <a:schemeClr val="lt1"/>
+          </a:fontRef>
+        </p:style>
+        <p:txBody>
+          <a:bodyPr rtlCol="0" anchor="ctr"/>
+          <a:lstStyle/>
+          <a:p>
+            <a:pPr algn="ctr"/>
+            <a:r>
+              <a:rPr lang="en-GB" dirty="0">
+                <a:solidFill>
+                  <a:schemeClr val="tx1"/>
+                </a:solidFill>
+              </a:rPr>
+              <a:t>Wrapper over </a:t>
+            </a:r>
+            <a:r>
+              <a:rPr lang="en-GB" b="1" dirty="0" err="1">
+                <a:solidFill>
+                  <a:schemeClr val="tx1"/>
+                </a:solidFill>
+              </a:rPr>
+              <a:t>ConfigParser</a:t>
+            </a:r>
+            <a:endParaRPr lang="en-GB" b="1" dirty="0">
+              <a:solidFill>
+                <a:schemeClr val="tx1"/>
+              </a:solidFill>
+            </a:endParaRPr>
+          </a:p>
+        </p:txBody>
+      </p:sp>
+      <p:sp>
+        <p:nvSpPr>
+          <p:cNvPr id="9" name="Speech Bubble: Rectangle 8">
+            <a:extLst>
+              <a:ext uri="{FF2B5EF4-FFF2-40B4-BE49-F238E27FC236}">
+                <a16:creationId xmlns:a16="http://schemas.microsoft.com/office/drawing/2014/main" id="{F245E2B7-2509-7EA4-C2C0-DF67713A9BB7}"/>
+              </a:ext>
+            </a:extLst>
+          </p:cNvPr>
+          <p:cNvSpPr/>
+          <p:nvPr/>
+        </p:nvSpPr>
+        <p:spPr>
+          <a:xfrm>
+            <a:off x="6456784" y="4231434"/>
+            <a:ext cx="2351314" cy="587831"/>
+          </a:xfrm>
+          <a:prstGeom prst="wedgeRectCallout">
+            <a:avLst>
+              <a:gd name="adj1" fmla="val -112499"/>
+              <a:gd name="adj2" fmla="val 25336"/>
+            </a:avLst>
+          </a:prstGeom>
+        </p:spPr>
+        <p:style>
+          <a:lnRef idx="1">
+            <a:schemeClr val="accent4"/>
+          </a:lnRef>
+          <a:fillRef idx="3">
+            <a:schemeClr val="accent4"/>
+          </a:fillRef>
+          <a:effectRef idx="2">
+            <a:schemeClr val="accent4"/>
+          </a:effectRef>
+          <a:fontRef idx="minor">
+            <a:schemeClr val="lt1"/>
+          </a:fontRef>
+        </p:style>
+        <p:txBody>
+          <a:bodyPr rtlCol="0" anchor="ctr"/>
+          <a:lstStyle/>
+          <a:p>
+            <a:pPr algn="ctr"/>
+            <a:r>
+              <a:rPr lang="en-GB" dirty="0">
+                <a:solidFill>
+                  <a:schemeClr val="tx1"/>
+                </a:solidFill>
+              </a:rPr>
+              <a:t>Consume </a:t>
+            </a:r>
+            <a:r>
+              <a:rPr lang="en-GB" b="1" dirty="0" err="1">
+                <a:solidFill>
+                  <a:schemeClr val="tx1"/>
+                </a:solidFill>
+              </a:rPr>
+              <a:t>ConfigParser</a:t>
+            </a:r>
+            <a:r>
+              <a:rPr lang="en-GB" b="1" dirty="0">
+                <a:solidFill>
+                  <a:schemeClr val="tx1"/>
+                </a:solidFill>
+              </a:rPr>
+              <a:t> </a:t>
+            </a:r>
+            <a:r>
+              <a:rPr lang="en-GB" dirty="0">
+                <a:solidFill>
+                  <a:schemeClr val="tx1"/>
+                </a:solidFill>
+              </a:rPr>
+              <a:t>here</a:t>
+            </a:r>
+          </a:p>
+        </p:txBody>
+      </p:sp>
+    </p:spTree>
+    <p:extLst>
+      <p:ext uri="{BB962C8B-B14F-4D97-AF65-F5344CB8AC3E}">
+        <p14:creationId xmlns:p14="http://schemas.microsoft.com/office/powerpoint/2010/main" val="4064366167"/>
+      </p:ext>
+    </p:extLst>
+  </p:cSld>
+  <p:clrMapOvr>
+    <a:masterClrMapping/>
+  </p:clrMapOvr>
+</p:sld>
+</file>
+
 <file path=ppt/theme/theme1.xml><?xml version="1.0" encoding="utf-8"?>
 <a:theme xmlns:a="http://schemas.openxmlformats.org/drawingml/2006/main" name="Office Theme">
   <a:themeElements>

--- a/layered-config-parser/docs/config-parser.pptx
+++ b/layered-config-parser/docs/config-parser.pptx
@@ -10,6 +10,8 @@
     <p:sldId id="257" r:id="rId4"/>
     <p:sldId id="258" r:id="rId5"/>
     <p:sldId id="260" r:id="rId6"/>
+    <p:sldId id="261" r:id="rId7"/>
+    <p:sldId id="262" r:id="rId8"/>
   </p:sldIdLst>
   <p:sldSz cx="12192000" cy="6858000"/>
   <p:notesSz cx="6858000" cy="9144000"/>
@@ -6203,6 +6205,126 @@
 </p:sld>
 </file>
 
+<file path=ppt/slides/slide6.xml><?xml version="1.0" encoding="utf-8"?>
+<p:sld xmlns:a="http://schemas.openxmlformats.org/drawingml/2006/main" xmlns:r="http://schemas.openxmlformats.org/officeDocument/2006/relationships" xmlns:p="http://schemas.openxmlformats.org/presentationml/2006/main">
+  <p:cSld>
+    <p:spTree>
+      <p:nvGrpSpPr>
+        <p:cNvPr id="1" name=""/>
+        <p:cNvGrpSpPr/>
+        <p:nvPr/>
+      </p:nvGrpSpPr>
+      <p:grpSpPr>
+        <a:xfrm>
+          <a:off x="0" y="0"/>
+          <a:ext cx="0" cy="0"/>
+          <a:chOff x="0" y="0"/>
+          <a:chExt cx="0" cy="0"/>
+        </a:xfrm>
+      </p:grpSpPr>
+      <p:pic>
+        <p:nvPicPr>
+          <p:cNvPr id="3" name="Picture 2">
+            <a:extLst>
+              <a:ext uri="{FF2B5EF4-FFF2-40B4-BE49-F238E27FC236}">
+                <a16:creationId xmlns:a16="http://schemas.microsoft.com/office/drawing/2014/main" id="{3F8293F0-749D-FDDF-444F-CFBF781C9F99}"/>
+              </a:ext>
+            </a:extLst>
+          </p:cNvPr>
+          <p:cNvPicPr>
+            <a:picLocks noChangeAspect="1"/>
+          </p:cNvPicPr>
+          <p:nvPr/>
+        </p:nvPicPr>
+        <p:blipFill>
+          <a:blip r:embed="rId2"/>
+          <a:stretch>
+            <a:fillRect/>
+          </a:stretch>
+        </p:blipFill>
+        <p:spPr>
+          <a:xfrm>
+            <a:off x="0" y="1139075"/>
+            <a:ext cx="12192000" cy="3049629"/>
+          </a:xfrm>
+          <a:prstGeom prst="rect">
+            <a:avLst/>
+          </a:prstGeom>
+        </p:spPr>
+      </p:pic>
+    </p:spTree>
+    <p:extLst>
+      <p:ext uri="{BB962C8B-B14F-4D97-AF65-F5344CB8AC3E}">
+        <p14:creationId xmlns:p14="http://schemas.microsoft.com/office/powerpoint/2010/main" val="1913777912"/>
+      </p:ext>
+    </p:extLst>
+  </p:cSld>
+  <p:clrMapOvr>
+    <a:masterClrMapping/>
+  </p:clrMapOvr>
+</p:sld>
+</file>
+
+<file path=ppt/slides/slide7.xml><?xml version="1.0" encoding="utf-8"?>
+<p:sld xmlns:a="http://schemas.openxmlformats.org/drawingml/2006/main" xmlns:r="http://schemas.openxmlformats.org/officeDocument/2006/relationships" xmlns:p="http://schemas.openxmlformats.org/presentationml/2006/main">
+  <p:cSld>
+    <p:spTree>
+      <p:nvGrpSpPr>
+        <p:cNvPr id="1" name=""/>
+        <p:cNvGrpSpPr/>
+        <p:nvPr/>
+      </p:nvGrpSpPr>
+      <p:grpSpPr>
+        <a:xfrm>
+          <a:off x="0" y="0"/>
+          <a:ext cx="0" cy="0"/>
+          <a:chOff x="0" y="0"/>
+          <a:chExt cx="0" cy="0"/>
+        </a:xfrm>
+      </p:grpSpPr>
+      <p:pic>
+        <p:nvPicPr>
+          <p:cNvPr id="3" name="Picture 2">
+            <a:extLst>
+              <a:ext uri="{FF2B5EF4-FFF2-40B4-BE49-F238E27FC236}">
+                <a16:creationId xmlns:a16="http://schemas.microsoft.com/office/drawing/2014/main" id="{AE3ECA19-0A4D-CD7E-A330-DD178E0C4E36}"/>
+              </a:ext>
+            </a:extLst>
+          </p:cNvPr>
+          <p:cNvPicPr>
+            <a:picLocks noChangeAspect="1"/>
+          </p:cNvPicPr>
+          <p:nvPr/>
+        </p:nvPicPr>
+        <p:blipFill>
+          <a:blip r:embed="rId2"/>
+          <a:stretch>
+            <a:fillRect/>
+          </a:stretch>
+        </p:blipFill>
+        <p:spPr>
+          <a:xfrm>
+            <a:off x="74645" y="2093638"/>
+            <a:ext cx="12192000" cy="935230"/>
+          </a:xfrm>
+          <a:prstGeom prst="rect">
+            <a:avLst/>
+          </a:prstGeom>
+        </p:spPr>
+      </p:pic>
+    </p:spTree>
+    <p:extLst>
+      <p:ext uri="{BB962C8B-B14F-4D97-AF65-F5344CB8AC3E}">
+        <p14:creationId xmlns:p14="http://schemas.microsoft.com/office/powerpoint/2010/main" val="1278014065"/>
+      </p:ext>
+    </p:extLst>
+  </p:cSld>
+  <p:clrMapOvr>
+    <a:masterClrMapping/>
+  </p:clrMapOvr>
+</p:sld>
+</file>
+
 <file path=ppt/theme/theme1.xml><?xml version="1.0" encoding="utf-8"?>
 <a:theme xmlns:a="http://schemas.openxmlformats.org/drawingml/2006/main" name="Office Theme">
   <a:themeElements>
